--- a/src/Documents/Programming Study - .NET Development.pptx
+++ b/src/Documents/Programming Study - .NET Development.pptx
@@ -7,6 +7,9 @@
   <p:sldIdLst>
     <p:sldId id="256" r:id="rId2"/>
     <p:sldId id="257" r:id="rId3"/>
+    <p:sldId id="260" r:id="rId4"/>
+    <p:sldId id="259" r:id="rId5"/>
+    <p:sldId id="258" r:id="rId6"/>
   </p:sldIdLst>
   <p:sldSz cx="9144000" cy="6858000" type="screen4x3"/>
   <p:notesSz cx="6858000" cy="9144000"/>
@@ -289,7 +292,7 @@
           <a:p>
             <a:fld id="{493F1E53-E8C4-4B4D-A3B5-F48356AA28B3}" type="datetimeFigureOut">
               <a:rPr lang="ko-KR" altLang="en-US" smtClean="0"/>
-              <a:t>2015-03-25</a:t>
+              <a:t>2017-10-31</a:t>
             </a:fld>
             <a:endParaRPr lang="ko-KR" altLang="en-US"/>
           </a:p>
@@ -459,7 +462,7 @@
           <a:p>
             <a:fld id="{493F1E53-E8C4-4B4D-A3B5-F48356AA28B3}" type="datetimeFigureOut">
               <a:rPr lang="ko-KR" altLang="en-US" smtClean="0"/>
-              <a:t>2015-03-25</a:t>
+              <a:t>2017-10-31</a:t>
             </a:fld>
             <a:endParaRPr lang="ko-KR" altLang="en-US"/>
           </a:p>
@@ -639,7 +642,7 @@
           <a:p>
             <a:fld id="{493F1E53-E8C4-4B4D-A3B5-F48356AA28B3}" type="datetimeFigureOut">
               <a:rPr lang="ko-KR" altLang="en-US" smtClean="0"/>
-              <a:t>2015-03-25</a:t>
+              <a:t>2017-10-31</a:t>
             </a:fld>
             <a:endParaRPr lang="ko-KR" altLang="en-US"/>
           </a:p>
@@ -809,7 +812,7 @@
           <a:p>
             <a:fld id="{493F1E53-E8C4-4B4D-A3B5-F48356AA28B3}" type="datetimeFigureOut">
               <a:rPr lang="ko-KR" altLang="en-US" smtClean="0"/>
-              <a:t>2015-03-25</a:t>
+              <a:t>2017-10-31</a:t>
             </a:fld>
             <a:endParaRPr lang="ko-KR" altLang="en-US"/>
           </a:p>
@@ -1055,7 +1058,7 @@
           <a:p>
             <a:fld id="{493F1E53-E8C4-4B4D-A3B5-F48356AA28B3}" type="datetimeFigureOut">
               <a:rPr lang="ko-KR" altLang="en-US" smtClean="0"/>
-              <a:t>2015-03-25</a:t>
+              <a:t>2017-10-31</a:t>
             </a:fld>
             <a:endParaRPr lang="ko-KR" altLang="en-US"/>
           </a:p>
@@ -1343,7 +1346,7 @@
           <a:p>
             <a:fld id="{493F1E53-E8C4-4B4D-A3B5-F48356AA28B3}" type="datetimeFigureOut">
               <a:rPr lang="ko-KR" altLang="en-US" smtClean="0"/>
-              <a:t>2015-03-25</a:t>
+              <a:t>2017-10-31</a:t>
             </a:fld>
             <a:endParaRPr lang="ko-KR" altLang="en-US"/>
           </a:p>
@@ -1765,7 +1768,7 @@
           <a:p>
             <a:fld id="{493F1E53-E8C4-4B4D-A3B5-F48356AA28B3}" type="datetimeFigureOut">
               <a:rPr lang="ko-KR" altLang="en-US" smtClean="0"/>
-              <a:t>2015-03-25</a:t>
+              <a:t>2017-10-31</a:t>
             </a:fld>
             <a:endParaRPr lang="ko-KR" altLang="en-US"/>
           </a:p>
@@ -1883,7 +1886,7 @@
           <a:p>
             <a:fld id="{493F1E53-E8C4-4B4D-A3B5-F48356AA28B3}" type="datetimeFigureOut">
               <a:rPr lang="ko-KR" altLang="en-US" smtClean="0"/>
-              <a:t>2015-03-25</a:t>
+              <a:t>2017-10-31</a:t>
             </a:fld>
             <a:endParaRPr lang="ko-KR" altLang="en-US"/>
           </a:p>
@@ -1978,7 +1981,7 @@
           <a:p>
             <a:fld id="{493F1E53-E8C4-4B4D-A3B5-F48356AA28B3}" type="datetimeFigureOut">
               <a:rPr lang="ko-KR" altLang="en-US" smtClean="0"/>
-              <a:t>2015-03-25</a:t>
+              <a:t>2017-10-31</a:t>
             </a:fld>
             <a:endParaRPr lang="ko-KR" altLang="en-US"/>
           </a:p>
@@ -2255,7 +2258,7 @@
           <a:p>
             <a:fld id="{493F1E53-E8C4-4B4D-A3B5-F48356AA28B3}" type="datetimeFigureOut">
               <a:rPr lang="ko-KR" altLang="en-US" smtClean="0"/>
-              <a:t>2015-03-25</a:t>
+              <a:t>2017-10-31</a:t>
             </a:fld>
             <a:endParaRPr lang="ko-KR" altLang="en-US"/>
           </a:p>
@@ -2508,7 +2511,7 @@
           <a:p>
             <a:fld id="{493F1E53-E8C4-4B4D-A3B5-F48356AA28B3}" type="datetimeFigureOut">
               <a:rPr lang="ko-KR" altLang="en-US" smtClean="0"/>
-              <a:t>2015-03-25</a:t>
+              <a:t>2017-10-31</a:t>
             </a:fld>
             <a:endParaRPr lang="ko-KR" altLang="en-US"/>
           </a:p>
@@ -2721,7 +2724,7 @@
           <a:p>
             <a:fld id="{493F1E53-E8C4-4B4D-A3B5-F48356AA28B3}" type="datetimeFigureOut">
               <a:rPr lang="ko-KR" altLang="en-US" smtClean="0"/>
-              <a:t>2015-03-25</a:t>
+              <a:t>2017-10-31</a:t>
             </a:fld>
             <a:endParaRPr lang="ko-KR" altLang="en-US"/>
           </a:p>
@@ -3154,10 +3157,6 @@
             </a:r>
           </a:p>
           <a:p>
-            <a:r>
-              <a:rPr lang="en-US" altLang="ko-KR" dirty="0" smtClean="0"/>
-              <a:t>2015.?</a:t>
-            </a:r>
             <a:endParaRPr lang="en-US" altLang="ko-KR" dirty="0" smtClean="0"/>
           </a:p>
         </p:txBody>
@@ -3209,7 +3208,7 @@
           <a:p>
             <a:r>
               <a:rPr lang="en-US" altLang="ko-KR" dirty="0" smtClean="0"/>
-              <a:t>.NET Development</a:t>
+              <a:t>Component</a:t>
             </a:r>
             <a:endParaRPr lang="ko-KR" altLang="en-US" dirty="0"/>
           </a:p>
@@ -3231,15 +3230,37 @@
           <a:lstStyle/>
           <a:p>
             <a:r>
+              <a:rPr lang="en-US" altLang="ko-KR" dirty="0"/>
+              <a:t>loosely coupled independent components</a:t>
+            </a:r>
+          </a:p>
+          <a:p>
+            <a:r>
               <a:rPr lang="en-US" altLang="ko-KR" dirty="0" smtClean="0"/>
-              <a:t>When are you going to write some ? </a:t>
-            </a:r>
-            <a:endParaRPr lang="en-US" altLang="ko-KR" dirty="0" smtClean="0"/>
-          </a:p>
-          <a:p>
-            <a:endParaRPr lang="en-US" altLang="ko-KR" dirty="0" smtClean="0"/>
-          </a:p>
-          <a:p>
+              <a:t>Interface </a:t>
+            </a:r>
+            <a:r>
+              <a:rPr lang="en-US" altLang="ko-KR" dirty="0"/>
+              <a:t>-</a:t>
+            </a:r>
+            <a:r>
+              <a:rPr lang="en-US" altLang="ko-KR" dirty="0" smtClean="0"/>
+              <a:t> a </a:t>
+            </a:r>
+            <a:r>
+              <a:rPr lang="en-US" altLang="ko-KR" dirty="0"/>
+              <a:t>shared boundary across which two or more separate components of a </a:t>
+            </a:r>
+            <a:r>
+              <a:rPr lang="en-US" altLang="ko-KR" dirty="0">
+                <a:hlinkClick r:id="rId2" tooltip="Computer system"/>
+              </a:rPr>
+              <a:t>computer system</a:t>
+            </a:r>
+            <a:r>
+              <a:rPr lang="en-US" altLang="ko-KR" dirty="0"/>
+              <a:t> exchange information</a:t>
+            </a:r>
             <a:endParaRPr lang="ko-KR" altLang="en-US" dirty="0"/>
           </a:p>
         </p:txBody>
@@ -3248,6 +3269,247 @@
     <p:extLst>
       <p:ext uri="{BB962C8B-B14F-4D97-AF65-F5344CB8AC3E}">
         <p14:creationId xmlns:p14="http://schemas.microsoft.com/office/powerpoint/2010/main" val="624596780"/>
+      </p:ext>
+    </p:extLst>
+  </p:cSld>
+  <p:clrMapOvr>
+    <a:masterClrMapping/>
+  </p:clrMapOvr>
+</p:sld>
+</file>
+
+<file path=ppt/slides/slide3.xml><?xml version="1.0" encoding="utf-8"?>
+<p:sld xmlns:a="http://schemas.openxmlformats.org/drawingml/2006/main" xmlns:r="http://schemas.openxmlformats.org/officeDocument/2006/relationships" xmlns:p="http://schemas.openxmlformats.org/presentationml/2006/main">
+  <p:cSld>
+    <p:spTree>
+      <p:nvGrpSpPr>
+        <p:cNvPr id="1" name=""/>
+        <p:cNvGrpSpPr/>
+        <p:nvPr/>
+      </p:nvGrpSpPr>
+      <p:grpSpPr>
+        <a:xfrm>
+          <a:off x="0" y="0"/>
+          <a:ext cx="0" cy="0"/>
+          <a:chOff x="0" y="0"/>
+          <a:chExt cx="0" cy="0"/>
+        </a:xfrm>
+      </p:grpSpPr>
+      <p:sp>
+        <p:nvSpPr>
+          <p:cNvPr id="2" name="Title 1"/>
+          <p:cNvSpPr>
+            <a:spLocks noGrp="1"/>
+          </p:cNvSpPr>
+          <p:nvPr>
+            <p:ph type="title"/>
+          </p:nvPr>
+        </p:nvSpPr>
+        <p:spPr/>
+        <p:txBody>
+          <a:bodyPr/>
+          <a:lstStyle/>
+          <a:p>
+            <a:r>
+              <a:rPr lang="en-US" altLang="ko-KR" dirty="0" smtClean="0"/>
+              <a:t>Domain Model</a:t>
+            </a:r>
+            <a:endParaRPr lang="ko-KR" altLang="en-US" dirty="0"/>
+          </a:p>
+        </p:txBody>
+      </p:sp>
+      <p:sp>
+        <p:nvSpPr>
+          <p:cNvPr id="3" name="Content Placeholder 2"/>
+          <p:cNvSpPr>
+            <a:spLocks noGrp="1"/>
+          </p:cNvSpPr>
+          <p:nvPr>
+            <p:ph idx="1"/>
+          </p:nvPr>
+        </p:nvSpPr>
+        <p:spPr/>
+        <p:txBody>
+          <a:bodyPr/>
+          <a:lstStyle/>
+          <a:p>
+            <a:r>
+              <a:rPr lang="en-US" altLang="ko-KR" dirty="0" smtClean="0"/>
+              <a:t>Write down what you </a:t>
+            </a:r>
+            <a:r>
+              <a:rPr lang="en-US" altLang="ko-KR" smtClean="0"/>
+              <a:t>are dealing with</a:t>
+            </a:r>
+            <a:endParaRPr lang="ko-KR" altLang="en-US" dirty="0"/>
+          </a:p>
+        </p:txBody>
+      </p:sp>
+    </p:spTree>
+    <p:extLst>
+      <p:ext uri="{BB962C8B-B14F-4D97-AF65-F5344CB8AC3E}">
+        <p14:creationId xmlns:p14="http://schemas.microsoft.com/office/powerpoint/2010/main" val="187461154"/>
+      </p:ext>
+    </p:extLst>
+  </p:cSld>
+  <p:clrMapOvr>
+    <a:masterClrMapping/>
+  </p:clrMapOvr>
+</p:sld>
+</file>
+
+<file path=ppt/slides/slide4.xml><?xml version="1.0" encoding="utf-8"?>
+<p:sld xmlns:a="http://schemas.openxmlformats.org/drawingml/2006/main" xmlns:r="http://schemas.openxmlformats.org/officeDocument/2006/relationships" xmlns:p="http://schemas.openxmlformats.org/presentationml/2006/main">
+  <p:cSld>
+    <p:spTree>
+      <p:nvGrpSpPr>
+        <p:cNvPr id="1" name=""/>
+        <p:cNvGrpSpPr/>
+        <p:nvPr/>
+      </p:nvGrpSpPr>
+      <p:grpSpPr>
+        <a:xfrm>
+          <a:off x="0" y="0"/>
+          <a:ext cx="0" cy="0"/>
+          <a:chOff x="0" y="0"/>
+          <a:chExt cx="0" cy="0"/>
+        </a:xfrm>
+      </p:grpSpPr>
+      <p:sp>
+        <p:nvSpPr>
+          <p:cNvPr id="2" name="Title 1"/>
+          <p:cNvSpPr>
+            <a:spLocks noGrp="1"/>
+          </p:cNvSpPr>
+          <p:nvPr>
+            <p:ph type="title"/>
+          </p:nvPr>
+        </p:nvSpPr>
+        <p:spPr/>
+        <p:txBody>
+          <a:bodyPr/>
+          <a:lstStyle/>
+          <a:p>
+            <a:r>
+              <a:rPr lang="en-US" altLang="ko-KR" dirty="0" smtClean="0"/>
+              <a:t>Unit Test</a:t>
+            </a:r>
+            <a:endParaRPr lang="ko-KR" altLang="en-US" dirty="0"/>
+          </a:p>
+        </p:txBody>
+      </p:sp>
+      <p:sp>
+        <p:nvSpPr>
+          <p:cNvPr id="3" name="Content Placeholder 2"/>
+          <p:cNvSpPr>
+            <a:spLocks noGrp="1"/>
+          </p:cNvSpPr>
+          <p:nvPr>
+            <p:ph idx="1"/>
+          </p:nvPr>
+        </p:nvSpPr>
+        <p:spPr/>
+        <p:txBody>
+          <a:bodyPr/>
+          <a:lstStyle/>
+          <a:p>
+            <a:r>
+              <a:rPr lang="en-US" altLang="ko-KR" dirty="0"/>
+              <a:t>Write down what you are expecting with your code. </a:t>
+            </a:r>
+          </a:p>
+          <a:p>
+            <a:r>
+              <a:rPr lang="en-US" altLang="ko-KR" dirty="0"/>
+              <a:t>And keep it in that way for long</a:t>
+            </a:r>
+            <a:endParaRPr lang="ko-KR" altLang="en-US" dirty="0"/>
+          </a:p>
+        </p:txBody>
+      </p:sp>
+    </p:spTree>
+    <p:extLst>
+      <p:ext uri="{BB962C8B-B14F-4D97-AF65-F5344CB8AC3E}">
+        <p14:creationId xmlns:p14="http://schemas.microsoft.com/office/powerpoint/2010/main" val="575951080"/>
+      </p:ext>
+    </p:extLst>
+  </p:cSld>
+  <p:clrMapOvr>
+    <a:masterClrMapping/>
+  </p:clrMapOvr>
+</p:sld>
+</file>
+
+<file path=ppt/slides/slide5.xml><?xml version="1.0" encoding="utf-8"?>
+<p:sld xmlns:a="http://schemas.openxmlformats.org/drawingml/2006/main" xmlns:r="http://schemas.openxmlformats.org/officeDocument/2006/relationships" xmlns:p="http://schemas.openxmlformats.org/presentationml/2006/main">
+  <p:cSld>
+    <p:spTree>
+      <p:nvGrpSpPr>
+        <p:cNvPr id="1" name=""/>
+        <p:cNvGrpSpPr/>
+        <p:nvPr/>
+      </p:nvGrpSpPr>
+      <p:grpSpPr>
+        <a:xfrm>
+          <a:off x="0" y="0"/>
+          <a:ext cx="0" cy="0"/>
+          <a:chOff x="0" y="0"/>
+          <a:chExt cx="0" cy="0"/>
+        </a:xfrm>
+      </p:grpSpPr>
+      <p:sp>
+        <p:nvSpPr>
+          <p:cNvPr id="2" name="Title 1"/>
+          <p:cNvSpPr>
+            <a:spLocks noGrp="1"/>
+          </p:cNvSpPr>
+          <p:nvPr>
+            <p:ph type="title"/>
+          </p:nvPr>
+        </p:nvSpPr>
+        <p:spPr/>
+        <p:txBody>
+          <a:bodyPr/>
+          <a:lstStyle/>
+          <a:p>
+            <a:r>
+              <a:rPr lang="en-US" altLang="ko-KR" dirty="0" smtClean="0"/>
+              <a:t>Exception</a:t>
+            </a:r>
+            <a:endParaRPr lang="ko-KR" altLang="en-US" dirty="0"/>
+          </a:p>
+        </p:txBody>
+      </p:sp>
+      <p:sp>
+        <p:nvSpPr>
+          <p:cNvPr id="3" name="Content Placeholder 2"/>
+          <p:cNvSpPr>
+            <a:spLocks noGrp="1"/>
+          </p:cNvSpPr>
+          <p:nvPr>
+            <p:ph idx="1"/>
+          </p:nvPr>
+        </p:nvSpPr>
+        <p:spPr/>
+        <p:txBody>
+          <a:bodyPr/>
+          <a:lstStyle/>
+          <a:p>
+            <a:r>
+              <a:rPr lang="en-US" altLang="ko-KR" dirty="0" smtClean="0"/>
+              <a:t>Prefer throwing exceptio</a:t>
+            </a:r>
+            <a:r>
+              <a:rPr lang="en-US" altLang="ko-KR" dirty="0" smtClean="0"/>
+              <a:t>n to return a value</a:t>
+            </a:r>
+          </a:p>
+        </p:txBody>
+      </p:sp>
+    </p:spTree>
+    <p:extLst>
+      <p:ext uri="{BB962C8B-B14F-4D97-AF65-F5344CB8AC3E}">
+        <p14:creationId xmlns:p14="http://schemas.microsoft.com/office/powerpoint/2010/main" val="463060441"/>
       </p:ext>
     </p:extLst>
   </p:cSld>
